--- a/public/Practice_Task2/Stimuli/uws_instr_slides_ver2.pptx
+++ b/public/Practice_Task2/Stimuli/uws_instr_slides_ver2.pptx
@@ -220,7 +220,7 @@
           <a:p>
             <a:fld id="{13EAB001-375A-47A6-A0AF-DD7CD76DA757}" type="datetimeFigureOut">
               <a:rPr lang="en-GB" smtClean="0"/>
-              <a:t>24/10/2019</a:t>
+              <a:t>31/10/2019</a:t>
             </a:fld>
             <a:endParaRPr lang="en-GB"/>
           </a:p>
@@ -837,7 +837,7 @@
           <a:p>
             <a:fld id="{538185A6-F7C7-2D4F-BA59-879D5B10606E}" type="datetimeFigureOut">
               <a:rPr lang="en-US" smtClean="0"/>
-              <a:t>10/24/2019</a:t>
+              <a:t>10/31/2019</a:t>
             </a:fld>
             <a:endParaRPr lang="en-US"/>
           </a:p>
@@ -1007,7 +1007,7 @@
           <a:p>
             <a:fld id="{538185A6-F7C7-2D4F-BA59-879D5B10606E}" type="datetimeFigureOut">
               <a:rPr lang="en-US" smtClean="0"/>
-              <a:t>10/24/2019</a:t>
+              <a:t>10/31/2019</a:t>
             </a:fld>
             <a:endParaRPr lang="en-US"/>
           </a:p>
@@ -1187,7 +1187,7 @@
           <a:p>
             <a:fld id="{538185A6-F7C7-2D4F-BA59-879D5B10606E}" type="datetimeFigureOut">
               <a:rPr lang="en-US" smtClean="0"/>
-              <a:t>10/24/2019</a:t>
+              <a:t>10/31/2019</a:t>
             </a:fld>
             <a:endParaRPr lang="en-US"/>
           </a:p>
@@ -1357,7 +1357,7 @@
           <a:p>
             <a:fld id="{538185A6-F7C7-2D4F-BA59-879D5B10606E}" type="datetimeFigureOut">
               <a:rPr lang="en-US" smtClean="0"/>
-              <a:t>10/24/2019</a:t>
+              <a:t>10/31/2019</a:t>
             </a:fld>
             <a:endParaRPr lang="en-US"/>
           </a:p>
@@ -1603,7 +1603,7 @@
           <a:p>
             <a:fld id="{538185A6-F7C7-2D4F-BA59-879D5B10606E}" type="datetimeFigureOut">
               <a:rPr lang="en-US" smtClean="0"/>
-              <a:t>10/24/2019</a:t>
+              <a:t>10/31/2019</a:t>
             </a:fld>
             <a:endParaRPr lang="en-US"/>
           </a:p>
@@ -1891,7 +1891,7 @@
           <a:p>
             <a:fld id="{538185A6-F7C7-2D4F-BA59-879D5B10606E}" type="datetimeFigureOut">
               <a:rPr lang="en-US" smtClean="0"/>
-              <a:t>10/24/2019</a:t>
+              <a:t>10/31/2019</a:t>
             </a:fld>
             <a:endParaRPr lang="en-US"/>
           </a:p>
@@ -2313,7 +2313,7 @@
           <a:p>
             <a:fld id="{538185A6-F7C7-2D4F-BA59-879D5B10606E}" type="datetimeFigureOut">
               <a:rPr lang="en-US" smtClean="0"/>
-              <a:t>10/24/2019</a:t>
+              <a:t>10/31/2019</a:t>
             </a:fld>
             <a:endParaRPr lang="en-US"/>
           </a:p>
@@ -2431,7 +2431,7 @@
           <a:p>
             <a:fld id="{538185A6-F7C7-2D4F-BA59-879D5B10606E}" type="datetimeFigureOut">
               <a:rPr lang="en-US" smtClean="0"/>
-              <a:t>10/24/2019</a:t>
+              <a:t>10/31/2019</a:t>
             </a:fld>
             <a:endParaRPr lang="en-US"/>
           </a:p>
@@ -2526,7 +2526,7 @@
           <a:p>
             <a:fld id="{538185A6-F7C7-2D4F-BA59-879D5B10606E}" type="datetimeFigureOut">
               <a:rPr lang="en-US" smtClean="0"/>
-              <a:t>10/24/2019</a:t>
+              <a:t>10/31/2019</a:t>
             </a:fld>
             <a:endParaRPr lang="en-US"/>
           </a:p>
@@ -2803,7 +2803,7 @@
           <a:p>
             <a:fld id="{538185A6-F7C7-2D4F-BA59-879D5B10606E}" type="datetimeFigureOut">
               <a:rPr lang="en-US" smtClean="0"/>
-              <a:t>10/24/2019</a:t>
+              <a:t>10/31/2019</a:t>
             </a:fld>
             <a:endParaRPr lang="en-US"/>
           </a:p>
@@ -3056,7 +3056,7 @@
           <a:p>
             <a:fld id="{538185A6-F7C7-2D4F-BA59-879D5B10606E}" type="datetimeFigureOut">
               <a:rPr lang="en-US" smtClean="0"/>
-              <a:t>10/24/2019</a:t>
+              <a:t>10/31/2019</a:t>
             </a:fld>
             <a:endParaRPr lang="en-US"/>
           </a:p>
@@ -3269,7 +3269,7 @@
           <a:p>
             <a:fld id="{538185A6-F7C7-2D4F-BA59-879D5B10606E}" type="datetimeFigureOut">
               <a:rPr lang="en-US" smtClean="0"/>
-              <a:t>10/24/2019</a:t>
+              <a:t>10/31/2019</a:t>
             </a:fld>
             <a:endParaRPr lang="en-US"/>
           </a:p>
@@ -3675,11 +3675,7 @@
             </a:r>
             <a:r>
               <a:rPr lang="en-US" sz="2400" dirty="0" smtClean="0"/>
-              <a:t>MEG instruction and training session</a:t>
-            </a:r>
-            <a:r>
-              <a:rPr lang="en-US" sz="2400" dirty="0" smtClean="0"/>
-              <a:t>!</a:t>
+              <a:t>MEG instruction and training session!</a:t>
             </a:r>
           </a:p>
           <a:p>
@@ -3696,7 +3692,6 @@
               <a:rPr lang="en-US" sz="2400" dirty="0" smtClean="0"/>
               <a:t>Completion of this training task is necessary in order to participate in the MEG experiment. Additionally, your ability to participate in the MEG experiment will be depend on your performance on this practice session. It is important that you try your best.</a:t>
             </a:r>
-            <a:endParaRPr lang="en-US" sz="2400" dirty="0" smtClean="0"/>
           </a:p>
           <a:p>
             <a:pPr marL="0" indent="0">
@@ -3712,7 +3707,6 @@
               <a:rPr lang="en-US" sz="2400" dirty="0" smtClean="0"/>
               <a:t>The entire practice session should take about 45 minutes. You will be compensated £5.00 for completing it, with an opportunity for a bonus of up to £2.00 depending on your performance. This is in addition to what you will be paid should you complete the MEG experiment.</a:t>
             </a:r>
-            <a:endParaRPr lang="en-US" sz="2400" dirty="0" smtClean="0"/>
           </a:p>
           <a:p>
             <a:pPr marL="0" indent="0">
@@ -3783,8 +3777,19 @@
           <a:p>
             <a:r>
               <a:rPr lang="en-GB" sz="2400" dirty="0" smtClean="0"/>
-              <a:t>Great. As an attention check, there will be a few games like this in the task. For these, you’ll have to report the point value of a given banknote.</a:t>
-            </a:r>
+              <a:t>Great. As an attention check, there will be a few games like this in the task. For these, you’ll have to report the point value of a given banknote</a:t>
+            </a:r>
+            <a:r>
+              <a:rPr lang="en-GB" sz="2400" dirty="0" smtClean="0"/>
+              <a:t>.</a:t>
+            </a:r>
+          </a:p>
+          <a:p>
+            <a:r>
+              <a:rPr lang="en-GB" sz="2400" b="1" dirty="0" smtClean="0"/>
+              <a:t>Answering these attention check questions correctly is extremely important. For each attention check question you answer wrong, you will lose 25 pence from your bonus.</a:t>
+            </a:r>
+            <a:endParaRPr lang="en-GB" sz="2400" b="1" dirty="0" smtClean="0"/>
           </a:p>
           <a:p>
             <a:r>
@@ -3947,15 +3952,15 @@
             </a:r>
             <a:r>
               <a:rPr lang="en-GB" sz="2200" dirty="0" smtClean="0"/>
-              <a:t>our </a:t>
+              <a:t>our bonus (and overall performance) will be affected both by the </a:t>
             </a:r>
             <a:r>
               <a:rPr lang="en-GB" sz="2200" dirty="0" smtClean="0"/>
-              <a:t>bonus (and overall performance) </a:t>
+              <a:t>points </a:t>
             </a:r>
             <a:r>
               <a:rPr lang="en-GB" sz="2200" dirty="0" smtClean="0"/>
-              <a:t>will be affected both by the total number of points you collect as well as your performance on attention check questions. In terms of collecting banknotes, banknotes with positive point values add their points to your collection. Bank notes with negative point values take away points.</a:t>
+              <a:t>you collect as well as your performance on attention check questions. In terms of collecting banknotes, banknotes with positive point values add their points to your collection. Bank notes with negative point values take away points.</a:t>
             </a:r>
           </a:p>
           <a:p>
@@ -4039,7 +4044,7 @@
         <p:spPr/>
         <p:txBody>
           <a:bodyPr>
-            <a:normAutofit fontScale="92500"/>
+            <a:normAutofit fontScale="85000" lnSpcReduction="20000"/>
           </a:bodyPr>
           <a:lstStyle/>
           <a:p>
@@ -4051,7 +4056,19 @@
           <a:p>
             <a:r>
               <a:rPr lang="en-GB" sz="2400" dirty="0" smtClean="0"/>
-              <a:t>The MEG task will include the components that you just completed, however will use different banknotes and slot-machines.</a:t>
+              <a:t>If you complete the </a:t>
+            </a:r>
+            <a:r>
+              <a:rPr lang="en-GB" sz="2400" dirty="0" smtClean="0"/>
+              <a:t>MEG </a:t>
+            </a:r>
+            <a:r>
+              <a:rPr lang="en-GB" sz="2400" dirty="0" smtClean="0"/>
+              <a:t>task, it </a:t>
+            </a:r>
+            <a:r>
+              <a:rPr lang="en-GB" sz="2400" dirty="0" smtClean="0"/>
+              <a:t>will include the components that you just completed, however will use different banknotes and slot-machines.</a:t>
             </a:r>
           </a:p>
           <a:p>
@@ -4069,8 +4086,20 @@
           <a:p>
             <a:r>
               <a:rPr lang="en-GB" sz="2400" dirty="0" smtClean="0"/>
-              <a:t>Then you will complete the gamble task. It will be about 4 times as long as the task you just completed.</a:t>
-            </a:r>
+              <a:t>Then you will complete the gamble task. </a:t>
+            </a:r>
+            <a:r>
+              <a:rPr lang="en-GB" sz="2400" dirty="0" smtClean="0"/>
+              <a:t>However, it will consist of 8 rounds instead of 2. </a:t>
+            </a:r>
+            <a:endParaRPr lang="en-GB" sz="2400" dirty="0" smtClean="0"/>
+          </a:p>
+          <a:p>
+            <a:r>
+              <a:rPr lang="en-GB" sz="2400" dirty="0" smtClean="0"/>
+              <a:t>Your bonus for the MEG task will be up to £20. As here, the computer will select one decision from each of the 8 rounds. The average of these 8 choices will constitute your bonus. In the MEG task, each attention check question that you answer incorrectly will reduce your bonus by 50p.</a:t>
+            </a:r>
+            <a:endParaRPr lang="en-GB" sz="2400" dirty="0" smtClean="0"/>
           </a:p>
         </p:txBody>
       </p:sp>
@@ -4310,11 +4339,7 @@
           <a:p>
             <a:r>
               <a:rPr lang="en-GB" dirty="0" smtClean="0"/>
-              <a:t>BALL </a:t>
-            </a:r>
-            <a:r>
-              <a:rPr lang="en-GB" dirty="0" smtClean="0"/>
-              <a:t>Banknote</a:t>
+              <a:t>BALL Banknote</a:t>
             </a:r>
             <a:endParaRPr lang="en-GB" dirty="0"/>
           </a:p>
@@ -4328,7 +4353,7 @@
         </p:nvSpPr>
         <p:spPr>
           <a:xfrm>
-            <a:off x="7409247" y="537539"/>
+            <a:off x="7288668" y="537539"/>
             <a:ext cx="2088321" cy="369332"/>
           </a:xfrm>
           <a:prstGeom prst="rect">
@@ -4344,11 +4369,7 @@
           <a:p>
             <a:r>
               <a:rPr lang="en-GB" dirty="0" smtClean="0"/>
-              <a:t>BANANA </a:t>
-            </a:r>
-            <a:r>
-              <a:rPr lang="en-GB" dirty="0" smtClean="0"/>
-              <a:t>Banknote</a:t>
+              <a:t>BANANA Banknote</a:t>
             </a:r>
             <a:endParaRPr lang="en-GB" dirty="0"/>
           </a:p>
@@ -4544,7 +4565,6 @@
               <a:rPr lang="en-GB" dirty="0" smtClean="0"/>
               <a:t>CAR </a:t>
             </a:r>
-            <a:endParaRPr lang="en-GB" dirty="0" smtClean="0"/>
           </a:p>
           <a:p>
             <a:r>
@@ -4581,7 +4601,6 @@
               <a:rPr lang="en-GB" dirty="0" smtClean="0"/>
               <a:t>BICYCLE </a:t>
             </a:r>
-            <a:endParaRPr lang="en-GB" dirty="0" smtClean="0"/>
           </a:p>
           <a:p>
             <a:r>
@@ -4618,7 +4637,6 @@
               <a:rPr lang="en-GB" dirty="0" smtClean="0"/>
               <a:t>ELEPHANT </a:t>
             </a:r>
-            <a:endParaRPr lang="en-GB" dirty="0" smtClean="0"/>
           </a:p>
           <a:p>
             <a:r>
@@ -4655,7 +4673,6 @@
               <a:rPr lang="en-GB" dirty="0" smtClean="0"/>
               <a:t>SNEAKERS </a:t>
             </a:r>
-            <a:endParaRPr lang="en-GB" dirty="0" smtClean="0"/>
           </a:p>
           <a:p>
             <a:r>
@@ -4959,7 +4976,7 @@
         </p:nvSpPr>
         <p:spPr>
           <a:xfrm>
-            <a:off x="408561" y="181234"/>
+            <a:off x="408561" y="452538"/>
             <a:ext cx="8550613" cy="5814563"/>
           </a:xfrm>
           <a:prstGeom prst="rect">
@@ -5144,11 +5161,7 @@
             </a:r>
             <a:r>
               <a:rPr lang="en-US" sz="1800" dirty="0" smtClean="0"/>
-              <a:t>the </a:t>
-            </a:r>
-            <a:r>
-              <a:rPr lang="en-US" sz="1800" dirty="0" smtClean="0"/>
-              <a:t>first task </a:t>
+              <a:t>the first task </a:t>
             </a:r>
             <a:r>
               <a:rPr lang="en-US" sz="1800" dirty="0"/>
@@ -5163,107 +5176,25 @@
           <a:p>
             <a:r>
               <a:rPr lang="en-US" sz="1800" dirty="0" smtClean="0"/>
-              <a:t>On the next slide we will show you a schematic that displays the </a:t>
-            </a:r>
-            <a:r>
-              <a:rPr lang="en-US" sz="1800" b="1" dirty="0" smtClean="0"/>
-              <a:t>chances</a:t>
+              <a:t>In the upcoming task, for each slot-machine, you’ll be exposed to the chances that a slot-machine leads to either banknote. Then you’ll have the chance to play that slot-machine a number of times. </a:t>
             </a:r>
             <a:r>
               <a:rPr lang="en-US" sz="1800" dirty="0" smtClean="0"/>
-              <a:t> of </a:t>
-            </a:r>
-            <a:r>
-              <a:rPr lang="en-US" sz="1800" b="1" dirty="0" smtClean="0"/>
-              <a:t>each</a:t>
-            </a:r>
+              <a:t>There will be some attention check questions interspersed here. Your correctness on these will contribute toward your bonus.</a:t>
+            </a:r>
+          </a:p>
+          <a:p>
             <a:r>
               <a:rPr lang="en-US" sz="1800" dirty="0" smtClean="0"/>
-              <a:t> </a:t>
-            </a:r>
-            <a:r>
-              <a:rPr lang="en-US" sz="1800" b="1" dirty="0" smtClean="0"/>
-              <a:t>slot machine providing either banknote</a:t>
-            </a:r>
+              <a:t>After seeing the outcome chances for each slot-machine and playing each slot-machine, you’ll be asked a number of quiz questions about the chances each slot-machine leads to each outcome. Your correctness on these quiz questions will contribute toward your bonus.</a:t>
+            </a:r>
+          </a:p>
+          <a:p>
             <a:r>
               <a:rPr lang="en-US" sz="1800" dirty="0" smtClean="0"/>
-              <a:t>. Please study this </a:t>
-            </a:r>
-            <a:r>
-              <a:rPr lang="en-US" sz="1800" dirty="0" smtClean="0"/>
-              <a:t>schematic. You </a:t>
-            </a:r>
-            <a:r>
-              <a:rPr lang="en-US" sz="1800" dirty="0" smtClean="0"/>
-              <a:t>will then </a:t>
-            </a:r>
-            <a:r>
-              <a:rPr lang="en-US" sz="1800" dirty="0" smtClean="0"/>
-              <a:t>have a chance to play each of the slot machines a number of times to gain additional experience with these probabilities. In the main gamble task, the banknotes will provide points. However, in this task they will not have any points, as the purpose is just for you to learn how they relate to the different slot-machines.</a:t>
-            </a:r>
-          </a:p>
-          <a:p>
-            <a:r>
-              <a:rPr lang="en-US" sz="1800" dirty="0" smtClean="0"/>
-              <a:t>After another presentation of the schematic, you will take </a:t>
-            </a:r>
-            <a:r>
-              <a:rPr lang="en-US" sz="1800" dirty="0" smtClean="0"/>
-              <a:t>a quiz in which you will be shown a given slot machine and a given banknote. You will be required to press a number key to indicate the chances that that slot machine would provide that banknote.</a:t>
-            </a:r>
-          </a:p>
-          <a:p>
-            <a:r>
-              <a:rPr lang="en-US" sz="1800" dirty="0" smtClean="0"/>
-              <a:t>We will repeat this quiz </a:t>
-            </a:r>
-            <a:r>
-              <a:rPr lang="en-US" sz="1800" dirty="0" smtClean="0"/>
-              <a:t>14 </a:t>
-            </a:r>
-            <a:r>
-              <a:rPr lang="en-US" sz="1800" dirty="0" smtClean="0"/>
-              <a:t>times so that you will be able to fully learn the chance </a:t>
-            </a:r>
-            <a:r>
-              <a:rPr lang="en-US" sz="1800" dirty="0" smtClean="0"/>
-              <a:t>that </a:t>
-            </a:r>
-            <a:r>
-              <a:rPr lang="en-US" sz="1800" dirty="0" smtClean="0"/>
-              <a:t>each slot machine providing either banknote. </a:t>
-            </a:r>
-            <a:r>
-              <a:rPr lang="en-US" sz="1800" dirty="0" smtClean="0"/>
-              <a:t>Intermittently you will have a number of chances to study the map and play the slot machines.</a:t>
-            </a:r>
-          </a:p>
-          <a:p>
-            <a:r>
-              <a:rPr lang="en-US" sz="1800" dirty="0" smtClean="0"/>
-              <a:t> </a:t>
-            </a:r>
-            <a:r>
-              <a:rPr lang="en-US" sz="1800" dirty="0" smtClean="0"/>
-              <a:t>Your bonus for this task </a:t>
-            </a:r>
-            <a:r>
-              <a:rPr lang="en-US" sz="1800" dirty="0" smtClean="0"/>
-              <a:t>as well as your ability to participate in the MEG task will </a:t>
-            </a:r>
-            <a:r>
-              <a:rPr lang="en-US" sz="1800" dirty="0" smtClean="0"/>
-              <a:t>be </a:t>
-            </a:r>
-            <a:r>
-              <a:rPr lang="en-US" sz="1800" dirty="0" smtClean="0"/>
-              <a:t>depend on </a:t>
-            </a:r>
-            <a:r>
-              <a:rPr lang="en-US" sz="1800" dirty="0" smtClean="0"/>
-              <a:t>the total number of quiz questions you answer correctly. Please try to get as many questions correct as you can.</a:t>
-            </a:r>
-            <a:endParaRPr lang="en-US" sz="1800" dirty="0"/>
+              <a:t>We will complete 5 rounds of this. Your bonus as well as your ability to participate in the MEG task will depend on the total number of quiz questions you answer correctly as well as your answers to attention check questions. Please try to get as many questions correct as you can. </a:t>
+            </a:r>
+            <a:endParaRPr lang="en-US" sz="1800" dirty="0" smtClean="0"/>
           </a:p>
         </p:txBody>
       </p:sp>
@@ -7006,11 +6937,7 @@
           <a:p>
             <a:r>
               <a:rPr lang="en-GB" dirty="0" smtClean="0"/>
-              <a:t>BANANA </a:t>
-            </a:r>
-            <a:r>
-              <a:rPr lang="en-GB" dirty="0" smtClean="0"/>
-              <a:t>Banknote</a:t>
+              <a:t>BANANA Banknote</a:t>
             </a:r>
             <a:endParaRPr lang="en-GB" dirty="0"/>
           </a:p>
@@ -7040,11 +6967,7 @@
           <a:p>
             <a:r>
               <a:rPr lang="en-GB" dirty="0" smtClean="0"/>
-              <a:t>BALL </a:t>
-            </a:r>
-            <a:r>
-              <a:rPr lang="en-GB" dirty="0" smtClean="0"/>
-              <a:t>Banknote</a:t>
+              <a:t>BALL Banknote</a:t>
             </a:r>
             <a:endParaRPr lang="en-GB" dirty="0"/>
           </a:p>
@@ -7153,11 +7076,7 @@
           <a:p>
             <a:r>
               <a:rPr lang="en-GB" dirty="0" smtClean="0"/>
-              <a:t>UMBRELLA </a:t>
-            </a:r>
-            <a:r>
-              <a:rPr lang="en-GB" dirty="0" smtClean="0"/>
-              <a:t>Banknote</a:t>
+              <a:t>UMBRELLA Banknote</a:t>
             </a:r>
             <a:endParaRPr lang="en-GB" dirty="0"/>
           </a:p>
@@ -7330,7 +7249,7 @@
         </p:spPr>
         <p:txBody>
           <a:bodyPr>
-            <a:normAutofit fontScale="92500" lnSpcReduction="10000"/>
+            <a:normAutofit fontScale="92500" lnSpcReduction="20000"/>
           </a:bodyPr>
           <a:lstStyle/>
           <a:p>
@@ -7368,16 +7287,9 @@
           <a:p>
             <a:r>
               <a:rPr lang="en-US" sz="2400" dirty="0" smtClean="0"/>
-              <a:t>At the end of the task, the computer will randomly pick </a:t>
-            </a:r>
-            <a:r>
-              <a:rPr lang="en-US" sz="2400" b="1" dirty="0" smtClean="0"/>
-              <a:t>four</a:t>
-            </a:r>
-            <a:r>
-              <a:rPr lang="en-US" sz="2400" dirty="0" smtClean="0"/>
-              <a:t> decisions that you made. </a:t>
-            </a:r>
+              <a:t>The task today will be split into 2 rounds. At the end of the task the computer will randomly choose one decision from each round.</a:t>
+            </a:r>
+            <a:endParaRPr lang="en-US" sz="2400" dirty="0" smtClean="0"/>
           </a:p>
           <a:p>
             <a:r>
@@ -7583,11 +7495,7 @@
           <a:p>
             <a:r>
               <a:rPr lang="en-GB" dirty="0" smtClean="0"/>
-              <a:t>BANANA </a:t>
-            </a:r>
-            <a:r>
-              <a:rPr lang="en-GB" dirty="0" smtClean="0"/>
-              <a:t>Banknote</a:t>
+              <a:t>BANANA Banknote</a:t>
             </a:r>
             <a:endParaRPr lang="en-GB" dirty="0"/>
           </a:p>
@@ -7617,11 +7525,7 @@
           <a:p>
             <a:r>
               <a:rPr lang="en-GB" dirty="0" smtClean="0"/>
-              <a:t>BALL </a:t>
-            </a:r>
-            <a:r>
-              <a:rPr lang="en-GB" dirty="0" smtClean="0"/>
-              <a:t>Banknote</a:t>
+              <a:t>BALL Banknote</a:t>
             </a:r>
             <a:endParaRPr lang="en-GB" dirty="0"/>
           </a:p>
@@ -7730,11 +7634,7 @@
           <a:p>
             <a:r>
               <a:rPr lang="en-GB" dirty="0" smtClean="0"/>
-              <a:t>UMBRELLA </a:t>
-            </a:r>
-            <a:r>
-              <a:rPr lang="en-GB" dirty="0" smtClean="0"/>
-              <a:t>Banknote</a:t>
+              <a:t>UMBRELLA Banknote</a:t>
             </a:r>
             <a:endParaRPr lang="en-GB" dirty="0"/>
           </a:p>
@@ -8007,11 +7907,7 @@
             </a:r>
             <a:r>
               <a:rPr lang="en-GB" sz="2200" dirty="0" smtClean="0"/>
-              <a:t> </a:t>
-            </a:r>
-            <a:r>
-              <a:rPr lang="en-GB" sz="2200" dirty="0" smtClean="0"/>
-              <a:t>or </a:t>
+              <a:t> or </a:t>
             </a:r>
             <a:r>
               <a:rPr lang="en-GB" sz="2200" b="1" dirty="0" smtClean="0"/>
@@ -8019,11 +7915,7 @@
             </a:r>
             <a:r>
               <a:rPr lang="en-GB" sz="2200" dirty="0" smtClean="0"/>
-              <a:t> </a:t>
-            </a:r>
-            <a:r>
-              <a:rPr lang="en-GB" sz="2200" dirty="0" smtClean="0"/>
-              <a:t>banknote.</a:t>
+              <a:t> banknote.</a:t>
             </a:r>
           </a:p>
           <a:p>
@@ -8093,11 +7985,7 @@
             </a:r>
             <a:r>
               <a:rPr lang="en-GB" sz="2200" dirty="0" smtClean="0"/>
-              <a:t> </a:t>
-            </a:r>
-            <a:r>
-              <a:rPr lang="en-GB" sz="2200" dirty="0" smtClean="0"/>
-              <a:t>banknote.</a:t>
+              <a:t> banknote.</a:t>
             </a:r>
             <a:endParaRPr lang="en-GB" sz="2200" dirty="0"/>
           </a:p>
@@ -8401,11 +8289,7 @@
           <a:p>
             <a:r>
               <a:rPr lang="en-GB" dirty="0" smtClean="0"/>
-              <a:t>BANANA </a:t>
-            </a:r>
-            <a:r>
-              <a:rPr lang="en-GB" dirty="0" smtClean="0"/>
-              <a:t>Banknote</a:t>
+              <a:t>BANANA Banknote</a:t>
             </a:r>
             <a:endParaRPr lang="en-GB" dirty="0"/>
           </a:p>
@@ -8435,11 +8319,7 @@
           <a:p>
             <a:r>
               <a:rPr lang="en-GB" dirty="0" smtClean="0"/>
-              <a:t>BALL </a:t>
-            </a:r>
-            <a:r>
-              <a:rPr lang="en-GB" dirty="0" smtClean="0"/>
-              <a:t>Banknote</a:t>
+              <a:t>BALL Banknote</a:t>
             </a:r>
             <a:endParaRPr lang="en-GB" dirty="0"/>
           </a:p>
@@ -8608,15 +8488,7 @@
           <a:p>
             <a:r>
               <a:rPr lang="en-GB" dirty="0" smtClean="0"/>
-              <a:t>Rejecting always leads to the </a:t>
-            </a:r>
-            <a:r>
-              <a:rPr lang="en-GB" dirty="0" smtClean="0"/>
-              <a:t>UMBRELLA </a:t>
-            </a:r>
-            <a:r>
-              <a:rPr lang="en-GB" dirty="0" smtClean="0"/>
-              <a:t>banknote.</a:t>
+              <a:t>Rejecting always leads to the UMBRELLA banknote.</a:t>
             </a:r>
             <a:endParaRPr lang="en-GB" dirty="0"/>
           </a:p>
@@ -8646,11 +8518,7 @@
           <a:p>
             <a:r>
               <a:rPr lang="en-GB" dirty="0" smtClean="0"/>
-              <a:t>UMBRELLA </a:t>
-            </a:r>
-            <a:r>
-              <a:rPr lang="en-GB" dirty="0" smtClean="0"/>
-              <a:t>Banknote</a:t>
+              <a:t>UMBRELLA Banknote</a:t>
             </a:r>
             <a:endParaRPr lang="en-GB" dirty="0"/>
           </a:p>
@@ -9104,31 +8972,7 @@
           <a:p>
             <a:r>
               <a:rPr lang="en-GB" sz="1200" dirty="0" smtClean="0"/>
-              <a:t>This screen from a hypothetical game shows that for this game, if you PLAY the slot machine, you will either get the </a:t>
-            </a:r>
-            <a:r>
-              <a:rPr lang="en-GB" sz="1200" dirty="0" smtClean="0"/>
-              <a:t>BALL </a:t>
-            </a:r>
-            <a:r>
-              <a:rPr lang="en-GB" sz="1200" dirty="0" smtClean="0"/>
-              <a:t>banknote and collect 72 points or the </a:t>
-            </a:r>
-            <a:r>
-              <a:rPr lang="en-GB" sz="1200" dirty="0" smtClean="0"/>
-              <a:t>BANANA </a:t>
-            </a:r>
-            <a:r>
-              <a:rPr lang="en-GB" sz="1200" dirty="0" smtClean="0"/>
-              <a:t>banknote and collect 8 points. If you reject the slot machine, you’ll get the </a:t>
-            </a:r>
-            <a:r>
-              <a:rPr lang="en-GB" sz="1200" dirty="0" smtClean="0"/>
-              <a:t>UMBRELLA </a:t>
-            </a:r>
-            <a:r>
-              <a:rPr lang="en-GB" sz="1200" dirty="0" smtClean="0"/>
-              <a:t>banknote and collect 48 points.</a:t>
+              <a:t>This screen from a hypothetical game shows that for this game, if you PLAY the slot machine, you will either get the BALL banknote and collect 72 points or the BANANA banknote and collect 8 points. If you reject the slot machine, you’ll get the UMBRELLA banknote and collect 48 points.</a:t>
             </a:r>
           </a:p>
         </p:txBody>

--- a/public/Practice_Task2/Stimuli/uws_instr_slides_ver2.pptx
+++ b/public/Practice_Task2/Stimuli/uws_instr_slides_ver2.pptx
@@ -5,7 +5,7 @@
     <p:sldMasterId id="2147483648" r:id="rId1"/>
   </p:sldMasterIdLst>
   <p:notesMasterIdLst>
-    <p:notesMasterId r:id="rId15"/>
+    <p:notesMasterId r:id="rId16"/>
   </p:notesMasterIdLst>
   <p:sldIdLst>
     <p:sldId id="257" r:id="rId2"/>
@@ -21,6 +21,7 @@
     <p:sldId id="283" r:id="rId12"/>
     <p:sldId id="284" r:id="rId13"/>
     <p:sldId id="288" r:id="rId14"/>
+    <p:sldId id="289" r:id="rId15"/>
   </p:sldIdLst>
   <p:sldSz cx="9144000" cy="6858000" type="screen4x3"/>
   <p:notesSz cx="6858000" cy="9144000"/>
@@ -121,7 +122,7 @@
   </p:defaultTextStyle>
   <p:extLst>
     <p:ext uri="{EFAFB233-063F-42B5-8137-9DF3F51BA10A}">
-      <p15:sldGuideLst xmlns:p15="http://schemas.microsoft.com/office/powerpoint/2012/main">
+      <p15:sldGuideLst xmlns:p15="http://schemas.microsoft.com/office/powerpoint/2012/main" xmlns="">
         <p15:guide id="1" orient="horz" pos="2268">
           <p15:clr>
             <a:srgbClr val="A4A3A4"/>
@@ -220,7 +221,7 @@
           <a:p>
             <a:fld id="{13EAB001-375A-47A6-A0AF-DD7CD76DA757}" type="datetimeFigureOut">
               <a:rPr lang="en-GB" smtClean="0"/>
-              <a:t>31/10/2019</a:t>
+              <a:t>11/2/19</a:t>
             </a:fld>
             <a:endParaRPr lang="en-GB"/>
           </a:p>
@@ -837,7 +838,7 @@
           <a:p>
             <a:fld id="{538185A6-F7C7-2D4F-BA59-879D5B10606E}" type="datetimeFigureOut">
               <a:rPr lang="en-US" smtClean="0"/>
-              <a:t>10/31/2019</a:t>
+              <a:t>11/2/19</a:t>
             </a:fld>
             <a:endParaRPr lang="en-US"/>
           </a:p>
@@ -1007,7 +1008,7 @@
           <a:p>
             <a:fld id="{538185A6-F7C7-2D4F-BA59-879D5B10606E}" type="datetimeFigureOut">
               <a:rPr lang="en-US" smtClean="0"/>
-              <a:t>10/31/2019</a:t>
+              <a:t>11/2/19</a:t>
             </a:fld>
             <a:endParaRPr lang="en-US"/>
           </a:p>
@@ -1187,7 +1188,7 @@
           <a:p>
             <a:fld id="{538185A6-F7C7-2D4F-BA59-879D5B10606E}" type="datetimeFigureOut">
               <a:rPr lang="en-US" smtClean="0"/>
-              <a:t>10/31/2019</a:t>
+              <a:t>11/2/19</a:t>
             </a:fld>
             <a:endParaRPr lang="en-US"/>
           </a:p>
@@ -1357,7 +1358,7 @@
           <a:p>
             <a:fld id="{538185A6-F7C7-2D4F-BA59-879D5B10606E}" type="datetimeFigureOut">
               <a:rPr lang="en-US" smtClean="0"/>
-              <a:t>10/31/2019</a:t>
+              <a:t>11/2/19</a:t>
             </a:fld>
             <a:endParaRPr lang="en-US"/>
           </a:p>
@@ -1603,7 +1604,7 @@
           <a:p>
             <a:fld id="{538185A6-F7C7-2D4F-BA59-879D5B10606E}" type="datetimeFigureOut">
               <a:rPr lang="en-US" smtClean="0"/>
-              <a:t>10/31/2019</a:t>
+              <a:t>11/2/19</a:t>
             </a:fld>
             <a:endParaRPr lang="en-US"/>
           </a:p>
@@ -1891,7 +1892,7 @@
           <a:p>
             <a:fld id="{538185A6-F7C7-2D4F-BA59-879D5B10606E}" type="datetimeFigureOut">
               <a:rPr lang="en-US" smtClean="0"/>
-              <a:t>10/31/2019</a:t>
+              <a:t>11/2/19</a:t>
             </a:fld>
             <a:endParaRPr lang="en-US"/>
           </a:p>
@@ -2313,7 +2314,7 @@
           <a:p>
             <a:fld id="{538185A6-F7C7-2D4F-BA59-879D5B10606E}" type="datetimeFigureOut">
               <a:rPr lang="en-US" smtClean="0"/>
-              <a:t>10/31/2019</a:t>
+              <a:t>11/2/19</a:t>
             </a:fld>
             <a:endParaRPr lang="en-US"/>
           </a:p>
@@ -2431,7 +2432,7 @@
           <a:p>
             <a:fld id="{538185A6-F7C7-2D4F-BA59-879D5B10606E}" type="datetimeFigureOut">
               <a:rPr lang="en-US" smtClean="0"/>
-              <a:t>10/31/2019</a:t>
+              <a:t>11/2/19</a:t>
             </a:fld>
             <a:endParaRPr lang="en-US"/>
           </a:p>
@@ -2526,7 +2527,7 @@
           <a:p>
             <a:fld id="{538185A6-F7C7-2D4F-BA59-879D5B10606E}" type="datetimeFigureOut">
               <a:rPr lang="en-US" smtClean="0"/>
-              <a:t>10/31/2019</a:t>
+              <a:t>11/2/19</a:t>
             </a:fld>
             <a:endParaRPr lang="en-US"/>
           </a:p>
@@ -2803,7 +2804,7 @@
           <a:p>
             <a:fld id="{538185A6-F7C7-2D4F-BA59-879D5B10606E}" type="datetimeFigureOut">
               <a:rPr lang="en-US" smtClean="0"/>
-              <a:t>10/31/2019</a:t>
+              <a:t>11/2/19</a:t>
             </a:fld>
             <a:endParaRPr lang="en-US"/>
           </a:p>
@@ -3056,7 +3057,7 @@
           <a:p>
             <a:fld id="{538185A6-F7C7-2D4F-BA59-879D5B10606E}" type="datetimeFigureOut">
               <a:rPr lang="en-US" smtClean="0"/>
-              <a:t>10/31/2019</a:t>
+              <a:t>11/2/19</a:t>
             </a:fld>
             <a:endParaRPr lang="en-US"/>
           </a:p>
@@ -3269,7 +3270,7 @@
           <a:p>
             <a:fld id="{538185A6-F7C7-2D4F-BA59-879D5B10606E}" type="datetimeFigureOut">
               <a:rPr lang="en-US" smtClean="0"/>
-              <a:t>10/31/2019</a:t>
+              <a:t>11/2/19</a:t>
             </a:fld>
             <a:endParaRPr lang="en-US"/>
           </a:p>
@@ -3662,7 +3663,7 @@
         </p:spPr>
         <p:txBody>
           <a:bodyPr>
-            <a:normAutofit lnSpcReduction="10000"/>
+            <a:normAutofit/>
           </a:bodyPr>
           <a:lstStyle/>
           <a:p>
@@ -3705,8 +3706,21 @@
             </a:pPr>
             <a:r>
               <a:rPr lang="en-US" sz="2400" dirty="0" smtClean="0"/>
-              <a:t>The entire practice session should take about 45 minutes. You will be compensated £5.00 for completing it, with an opportunity for a bonus of up to £2.00 depending on your performance. This is in addition to what you will be paid should you complete the MEG experiment.</a:t>
-            </a:r>
+              <a:t>The entire </a:t>
+            </a:r>
+            <a:r>
+              <a:rPr lang="en-US" sz="2400" dirty="0" smtClean="0"/>
+              <a:t>session </a:t>
+            </a:r>
+            <a:r>
+              <a:rPr lang="en-US" sz="2400" dirty="0" smtClean="0"/>
+              <a:t>should take about </a:t>
+            </a:r>
+            <a:r>
+              <a:rPr lang="en-US" sz="2400" dirty="0" smtClean="0"/>
+              <a:t>60 minutes.</a:t>
+            </a:r>
+            <a:endParaRPr lang="en-US" sz="2400" dirty="0" smtClean="0"/>
           </a:p>
           <a:p>
             <a:pPr marL="0" indent="0">
@@ -3729,7 +3743,7 @@
   <p:timing>
     <p:tnLst>
       <p:par>
-        <p:cTn id="1" dur="indefinite" restart="never" nodeType="tmRoot"/>
+        <p:cTn xmlns:p14="http://schemas.microsoft.com/office/powerpoint/2010/main" id="1" dur="indefinite" restart="never" nodeType="tmRoot"/>
       </p:par>
     </p:tnLst>
   </p:timing>
@@ -3777,19 +3791,31 @@
           <a:p>
             <a:r>
               <a:rPr lang="en-GB" sz="2400" dirty="0" smtClean="0"/>
-              <a:t>Great. As an attention check, there will be a few games like this in the task. For these, you’ll have to report the point value of a given banknote</a:t>
-            </a:r>
-            <a:r>
-              <a:rPr lang="en-GB" sz="2400" dirty="0" smtClean="0"/>
-              <a:t>.</a:t>
-            </a:r>
-          </a:p>
-          <a:p>
+              <a:t>Great. As an attention check, there will be a few games like this in the task. For these, you’ll have to report the point value of a given banknote.</a:t>
+            </a:r>
+          </a:p>
+          <a:p>
+            <a:pPr>
+              <a:tabLst>
+                <a:tab pos="976313" algn="l"/>
+              </a:tabLst>
+            </a:pPr>
             <a:r>
               <a:rPr lang="en-GB" sz="2400" b="1" dirty="0" smtClean="0"/>
-              <a:t>Answering these attention check questions correctly is extremely important. For each attention check question you answer wrong, you will lose 25 pence from your bonus.</a:t>
-            </a:r>
-            <a:endParaRPr lang="en-GB" sz="2400" b="1" dirty="0" smtClean="0"/>
+              <a:t>In the MEG task, answering these </a:t>
+            </a:r>
+            <a:r>
+              <a:rPr lang="en-GB" sz="2400" b="1" dirty="0" smtClean="0"/>
+              <a:t>attention check questions correctly is extremely important. For each attention check question you answer wrong, you will lose </a:t>
+            </a:r>
+            <a:r>
+              <a:rPr lang="en-GB" sz="2400" b="1" dirty="0" smtClean="0"/>
+              <a:t>25 pence </a:t>
+            </a:r>
+            <a:r>
+              <a:rPr lang="en-GB" sz="2400" b="1" dirty="0" smtClean="0"/>
+              <a:t>from your bonus.</a:t>
+            </a:r>
           </a:p>
           <a:p>
             <a:r>
@@ -3952,15 +3978,7 @@
             </a:r>
             <a:r>
               <a:rPr lang="en-GB" sz="2200" dirty="0" smtClean="0"/>
-              <a:t>our bonus (and overall performance) will be affected both by the </a:t>
-            </a:r>
-            <a:r>
-              <a:rPr lang="en-GB" sz="2200" dirty="0" smtClean="0"/>
-              <a:t>points </a:t>
-            </a:r>
-            <a:r>
-              <a:rPr lang="en-GB" sz="2200" dirty="0" smtClean="0"/>
-              <a:t>you collect as well as your performance on attention check questions. In terms of collecting banknotes, banknotes with positive point values add their points to your collection. Bank notes with negative point values take away points.</a:t>
+              <a:t>our bonus (and overall performance) will be affected both by the points you collect as well as your performance on attention check questions. In terms of collecting banknotes, banknotes with positive point values add their points to your collection. Bank notes with negative point values take away points.</a:t>
             </a:r>
           </a:p>
           <a:p>
@@ -4044,19 +4062,31 @@
         <p:spPr/>
         <p:txBody>
           <a:bodyPr>
-            <a:normAutofit fontScale="85000" lnSpcReduction="20000"/>
+            <a:normAutofit fontScale="77500" lnSpcReduction="20000"/>
           </a:bodyPr>
           <a:lstStyle/>
           <a:p>
             <a:r>
               <a:rPr lang="en-GB" sz="2400" dirty="0" smtClean="0"/>
-              <a:t>Great work. You’ve completed the training session.</a:t>
-            </a:r>
-          </a:p>
-          <a:p>
+              <a:t>Great work. You’ve completed the </a:t>
+            </a:r>
             <a:r>
               <a:rPr lang="en-GB" sz="2400" dirty="0" smtClean="0"/>
-              <a:t>If you complete the </a:t>
+              <a:t>training session</a:t>
+            </a:r>
+            <a:r>
+              <a:rPr lang="en-GB" sz="2400" dirty="0" smtClean="0"/>
+              <a:t>.</a:t>
+            </a:r>
+          </a:p>
+          <a:p>
+            <a:r>
+              <a:rPr lang="en-GB" sz="2400" dirty="0"/>
+              <a:t>T</a:t>
+            </a:r>
+            <a:r>
+              <a:rPr lang="en-GB" sz="2400" dirty="0" smtClean="0"/>
+              <a:t>he </a:t>
             </a:r>
             <a:r>
               <a:rPr lang="en-GB" sz="2400" dirty="0" smtClean="0"/>
@@ -4064,11 +4094,19 @@
             </a:r>
             <a:r>
               <a:rPr lang="en-GB" sz="2400" dirty="0" smtClean="0"/>
-              <a:t>task, it </a:t>
+              <a:t>task</a:t>
+            </a:r>
+            <a:r>
+              <a:rPr lang="en-GB" sz="2400" dirty="0"/>
+              <a:t> </a:t>
             </a:r>
             <a:r>
               <a:rPr lang="en-GB" sz="2400" dirty="0" smtClean="0"/>
-              <a:t>will include the components that you just completed, however will use different banknotes and slot-machines.</a:t>
+              <a:t>will </a:t>
+            </a:r>
+            <a:r>
+              <a:rPr lang="en-GB" sz="2400" dirty="0" smtClean="0"/>
+              <a:t>include the components that you just completed, however will use different banknotes and slot-machines.</a:t>
             </a:r>
           </a:p>
           <a:p>
@@ -4080,24 +4118,67 @@
           <a:p>
             <a:r>
               <a:rPr lang="en-GB" sz="2400" dirty="0" smtClean="0"/>
-              <a:t>Following this, you will learn and be quizzed on the chances that each slot machine produces either banknote. This will be the same as it was in what you just completed.</a:t>
-            </a:r>
-          </a:p>
-          <a:p>
+              <a:t>Following this, you will </a:t>
+            </a:r>
             <a:r>
               <a:rPr lang="en-GB" sz="2400" dirty="0" smtClean="0"/>
-              <a:t>Then you will complete the gamble task. </a:t>
+              <a:t>learn about </a:t>
             </a:r>
             <a:r>
               <a:rPr lang="en-GB" sz="2400" dirty="0" smtClean="0"/>
-              <a:t>However, it will consist of 8 rounds instead of 2. </a:t>
-            </a:r>
-            <a:endParaRPr lang="en-GB" sz="2400" dirty="0" smtClean="0"/>
+              <a:t>and be quizzed on the chances that each slot machine produces either banknote. This will be the same as it was in what you just completed.</a:t>
+            </a:r>
           </a:p>
           <a:p>
             <a:r>
               <a:rPr lang="en-GB" sz="2400" dirty="0" smtClean="0"/>
-              <a:t>Your bonus for the MEG task will be up to £20. As here, the computer will select one decision from each of the 8 rounds. The average of these 8 choices will constitute your bonus. In the MEG task, each attention check question that you answer incorrectly will reduce your bonus by 50p.</a:t>
+              <a:t>Then you will complete the gamble task. However, it will consist of 8 rounds instead of 2. </a:t>
+            </a:r>
+          </a:p>
+          <a:p>
+            <a:r>
+              <a:rPr lang="en-GB" sz="2400" dirty="0" smtClean="0"/>
+              <a:t>Your bonus for the MEG task will be </a:t>
+            </a:r>
+            <a:r>
+              <a:rPr lang="en-GB" sz="2400" dirty="0" smtClean="0"/>
+              <a:t>between 0 and £</a:t>
+            </a:r>
+            <a:r>
+              <a:rPr lang="en-GB" sz="2400" dirty="0" smtClean="0"/>
+              <a:t>20</a:t>
+            </a:r>
+            <a:r>
+              <a:rPr lang="en-GB" sz="2400" dirty="0" smtClean="0"/>
+              <a:t>. The </a:t>
+            </a:r>
+            <a:r>
+              <a:rPr lang="en-GB" sz="2400" dirty="0" smtClean="0"/>
+              <a:t>computer will select one decision from each of the 8 rounds. The average of these 8 choices will constitute your bonus. In the MEG task, each attention check question that you answer incorrectly will reduce your bonus by </a:t>
+            </a:r>
+            <a:r>
+              <a:rPr lang="en-GB" sz="2400" dirty="0" smtClean="0"/>
+              <a:t>25</a:t>
+            </a:r>
+            <a:r>
+              <a:rPr lang="en-GB" sz="2400" dirty="0" smtClean="0"/>
+              <a:t>p.</a:t>
+            </a:r>
+          </a:p>
+          <a:p>
+            <a:r>
+              <a:rPr lang="en-GB" sz="2400" dirty="0" smtClean="0"/>
+              <a:t>Please email the experimenter (</a:t>
+            </a:r>
+            <a:r>
+              <a:rPr lang="en-GB" sz="2400" dirty="0" smtClean="0">
+                <a:hlinkClick r:id="rId2"/>
+              </a:rPr>
+              <a:t>e.russek@ucl.ac.uk</a:t>
+            </a:r>
+            <a:r>
+              <a:rPr lang="en-GB" sz="2400" dirty="0" smtClean="0"/>
+              <a:t>) if you have any questions.</a:t>
             </a:r>
             <a:endParaRPr lang="en-GB" sz="2400" dirty="0" smtClean="0"/>
           </a:p>
@@ -4107,6 +4188,129 @@
     <p:extLst>
       <p:ext uri="{BB962C8B-B14F-4D97-AF65-F5344CB8AC3E}">
         <p14:creationId xmlns:p14="http://schemas.microsoft.com/office/powerpoint/2010/main" val="3343696055"/>
+      </p:ext>
+    </p:extLst>
+  </p:cSld>
+  <p:clrMapOvr>
+    <a:masterClrMapping/>
+  </p:clrMapOvr>
+</p:sld>
+</file>
+
+<file path=ppt/slides/slide14.xml><?xml version="1.0" encoding="utf-8"?>
+<p:sld xmlns:a="http://schemas.openxmlformats.org/drawingml/2006/main" xmlns:r="http://schemas.openxmlformats.org/officeDocument/2006/relationships" xmlns:p="http://schemas.openxmlformats.org/presentationml/2006/main">
+  <p:cSld>
+    <p:spTree>
+      <p:nvGrpSpPr>
+        <p:cNvPr id="1" name=""/>
+        <p:cNvGrpSpPr/>
+        <p:nvPr/>
+      </p:nvGrpSpPr>
+      <p:grpSpPr>
+        <a:xfrm>
+          <a:off x="0" y="0"/>
+          <a:ext cx="0" cy="0"/>
+          <a:chOff x="0" y="0"/>
+          <a:chExt cx="0" cy="0"/>
+        </a:xfrm>
+      </p:grpSpPr>
+      <p:sp>
+        <p:nvSpPr>
+          <p:cNvPr id="2" name="Title 1"/>
+          <p:cNvSpPr>
+            <a:spLocks noGrp="1"/>
+          </p:cNvSpPr>
+          <p:nvPr>
+            <p:ph type="title"/>
+          </p:nvPr>
+        </p:nvSpPr>
+        <p:spPr>
+          <a:xfrm>
+            <a:off x="457200" y="111838"/>
+            <a:ext cx="8229600" cy="1143000"/>
+          </a:xfrm>
+        </p:spPr>
+        <p:txBody>
+          <a:bodyPr/>
+          <a:lstStyle/>
+          <a:p>
+            <a:r>
+              <a:rPr lang="en-US" dirty="0" smtClean="0"/>
+              <a:t>Questionnaires</a:t>
+            </a:r>
+            <a:endParaRPr lang="en-US" dirty="0"/>
+          </a:p>
+        </p:txBody>
+      </p:sp>
+      <p:sp>
+        <p:nvSpPr>
+          <p:cNvPr id="3" name="Content Placeholder 2"/>
+          <p:cNvSpPr>
+            <a:spLocks noGrp="1"/>
+          </p:cNvSpPr>
+          <p:nvPr>
+            <p:ph idx="1"/>
+          </p:nvPr>
+        </p:nvSpPr>
+        <p:spPr>
+          <a:xfrm>
+            <a:off x="457200" y="1225758"/>
+            <a:ext cx="8448686" cy="5632241"/>
+          </a:xfrm>
+        </p:spPr>
+        <p:txBody>
+          <a:bodyPr>
+            <a:normAutofit/>
+          </a:bodyPr>
+          <a:lstStyle/>
+          <a:p>
+            <a:r>
+              <a:rPr lang="en-US" sz="2400" dirty="0" smtClean="0"/>
+              <a:t>One of the goals of this study is to relate signals in the brain, observed during decisions, to aspects of emotional state and disposition. We hope that in this way, this research might be useful for better understanding mental health.</a:t>
+            </a:r>
+          </a:p>
+          <a:p>
+            <a:r>
+              <a:rPr lang="en-US" sz="2400" dirty="0" smtClean="0"/>
+              <a:t>In this regard, we would like you to fill out some </a:t>
+            </a:r>
+            <a:r>
+              <a:rPr lang="en-US" sz="2400" dirty="0" err="1" smtClean="0"/>
+              <a:t>questionairres</a:t>
+            </a:r>
+            <a:r>
+              <a:rPr lang="en-US" sz="2400" dirty="0" smtClean="0"/>
+              <a:t>, related to your emotional state and disposition. </a:t>
+            </a:r>
+          </a:p>
+          <a:p>
+            <a:r>
+              <a:rPr lang="en-US" sz="2400" dirty="0" smtClean="0"/>
+              <a:t>You are free to skip any question that you would like (by selecting ‘I would prefer to not answer’). However, we hope you will answer as many questions as you can.</a:t>
+            </a:r>
+          </a:p>
+          <a:p>
+            <a:r>
+              <a:rPr lang="en-US" sz="2400" dirty="0" smtClean="0"/>
+              <a:t>Should any of the questions bring up emotional distress, please write down the number of the MIND helpline listening service: (0300 123 3393 , </a:t>
+            </a:r>
+            <a:r>
+              <a:rPr lang="en-US" sz="2400" dirty="0" smtClean="0">
+                <a:hlinkClick r:id="rId2"/>
+              </a:rPr>
+              <a:t>www.mind.org.uk</a:t>
+            </a:r>
+            <a:r>
+              <a:rPr lang="en-US" sz="2400" dirty="0" smtClean="0"/>
+              <a:t> ) , which can provide support for emotional distress.</a:t>
+            </a:r>
+          </a:p>
+        </p:txBody>
+      </p:sp>
+    </p:spTree>
+    <p:extLst>
+      <p:ext uri="{BB962C8B-B14F-4D97-AF65-F5344CB8AC3E}">
+        <p14:creationId xmlns:p14="http://schemas.microsoft.com/office/powerpoint/2010/main" val="976374083"/>
       </p:ext>
     </p:extLst>
   </p:cSld>
@@ -4942,7 +5146,7 @@
   <p:timing>
     <p:tnLst>
       <p:par>
-        <p:cTn id="1" dur="indefinite" restart="never" nodeType="tmRoot"/>
+        <p:cTn xmlns:p14="http://schemas.microsoft.com/office/powerpoint/2010/main" id="1" dur="indefinite" restart="never" nodeType="tmRoot"/>
       </p:par>
     </p:tnLst>
   </p:timing>
@@ -5176,11 +5380,7 @@
           <a:p>
             <a:r>
               <a:rPr lang="en-US" sz="1800" dirty="0" smtClean="0"/>
-              <a:t>In the upcoming task, for each slot-machine, you’ll be exposed to the chances that a slot-machine leads to either banknote. Then you’ll have the chance to play that slot-machine a number of times. </a:t>
-            </a:r>
-            <a:r>
-              <a:rPr lang="en-US" sz="1800" dirty="0" smtClean="0"/>
-              <a:t>There will be some attention check questions interspersed here. Your correctness on these will contribute toward your bonus.</a:t>
+              <a:t>In the upcoming task, for each slot-machine, you’ll be exposed to the chances that a slot-machine leads to either banknote. Then you’ll have the chance to play that slot-machine a number of times. There will be some attention check questions interspersed here. Your correctness on these will contribute toward your bonus.</a:t>
             </a:r>
           </a:p>
           <a:p>
@@ -5192,9 +5392,16 @@
           <a:p>
             <a:r>
               <a:rPr lang="en-US" sz="1800" dirty="0" smtClean="0"/>
-              <a:t>We will complete 5 rounds of this. Your bonus as well as your ability to participate in the MEG task will depend on the total number of quiz questions you answer correctly as well as your answers to attention check questions. Please try to get as many questions correct as you can. </a:t>
-            </a:r>
-            <a:endParaRPr lang="en-US" sz="1800" dirty="0" smtClean="0"/>
+              <a:t>We will complete </a:t>
+            </a:r>
+            <a:r>
+              <a:rPr lang="en-US" sz="1800" dirty="0" smtClean="0"/>
+              <a:t>4rounds </a:t>
+            </a:r>
+            <a:r>
+              <a:rPr lang="en-US" sz="1800" dirty="0" smtClean="0"/>
+              <a:t>of this. Your bonus as well as your ability to participate in the MEG task will depend on the total number of quiz questions you answer correctly as well as your answers to attention check questions. Please try to get as many questions correct as you can. </a:t>
+            </a:r>
           </a:p>
         </p:txBody>
       </p:sp>
@@ -5211,7 +5418,7 @@
   <p:timing>
     <p:tnLst>
       <p:par>
-        <p:cTn id="1" dur="indefinite" restart="never" nodeType="tmRoot"/>
+        <p:cTn xmlns:p14="http://schemas.microsoft.com/office/powerpoint/2010/main" id="1" dur="indefinite" restart="never" nodeType="tmRoot"/>
       </p:par>
     </p:tnLst>
   </p:timing>
@@ -7289,7 +7496,6 @@
               <a:rPr lang="en-US" sz="2400" dirty="0" smtClean="0"/>
               <a:t>The task today will be split into 2 rounds. At the end of the task the computer will randomly choose one decision from each round.</a:t>
             </a:r>
-            <a:endParaRPr lang="en-US" sz="2400" dirty="0" smtClean="0"/>
           </a:p>
           <a:p>
             <a:r>
@@ -7772,7 +7978,7 @@
   <p:timing>
     <p:tnLst>
       <p:par>
-        <p:cTn id="1" dur="indefinite" restart="never" nodeType="tmRoot"/>
+        <p:cTn xmlns:p14="http://schemas.microsoft.com/office/powerpoint/2010/main" id="1" dur="indefinite" restart="never" nodeType="tmRoot"/>
       </p:par>
     </p:tnLst>
   </p:timing>
@@ -9594,7 +9800,7 @@
     </a:clrScheme>
     <a:fontScheme name="Office">
       <a:majorFont>
-        <a:latin typeface="Calibri Light" panose="020F0302020204030204"/>
+        <a:latin typeface="Calibri Light"/>
         <a:ea typeface=""/>
         <a:cs typeface=""/>
         <a:font script="Jpan" typeface="游ゴシック Light"/>
@@ -9629,7 +9835,7 @@
         <a:font script="Geor" typeface="Sylfaen"/>
       </a:majorFont>
       <a:minorFont>
-        <a:latin typeface="Calibri" panose="020F0502020204030204"/>
+        <a:latin typeface="Calibri"/>
         <a:ea typeface=""/>
         <a:cs typeface=""/>
         <a:font script="Jpan" typeface="游ゴシック"/>
@@ -9806,7 +10012,7 @@
   <a:extraClrSchemeLst/>
   <a:extLst>
     <a:ext uri="{05A4C25C-085E-4340-85A3-A5531E510DB2}">
-      <thm15:themeFamily xmlns:thm15="http://schemas.microsoft.com/office/thememl/2012/main" name="Office Theme" id="{62F939B6-93AF-4DB8-9C6B-D6C7DFDC589F}" vid="{4A3C46E8-61CC-4603-A589-7422A47A8E4A}"/>
+      <thm15:themeFamily xmlns:thm15="http://schemas.microsoft.com/office/thememl/2012/main" xmlns="" name="Office Theme" id="{62F939B6-93AF-4DB8-9C6B-D6C7DFDC589F}" vid="{4A3C46E8-61CC-4603-A589-7422A47A8E4A}"/>
     </a:ext>
   </a:extLst>
 </a:theme>

--- a/public/Practice_Task2/Stimuli/uws_instr_slides_ver2.pptx
+++ b/public/Practice_Task2/Stimuli/uws_instr_slides_ver2.pptx
@@ -122,13 +122,18 @@
   </p:defaultTextStyle>
   <p:extLst>
     <p:ext uri="{EFAFB233-063F-42B5-8137-9DF3F51BA10A}">
-      <p15:sldGuideLst xmlns:p15="http://schemas.microsoft.com/office/powerpoint/2012/main" xmlns="">
+      <p15:sldGuideLst xmlns:p15="http://schemas.microsoft.com/office/powerpoint/2012/main">
         <p15:guide id="1" orient="horz" pos="2268">
           <p15:clr>
             <a:srgbClr val="A4A3A4"/>
           </p15:clr>
         </p15:guide>
         <p15:guide id="2" pos="2832">
+          <p15:clr>
+            <a:srgbClr val="A4A3A4"/>
+          </p15:clr>
+        </p15:guide>
+        <p15:guide id="3" pos="2904">
           <p15:clr>
             <a:srgbClr val="A4A3A4"/>
           </p15:clr>
@@ -221,7 +226,7 @@
           <a:p>
             <a:fld id="{13EAB001-375A-47A6-A0AF-DD7CD76DA757}" type="datetimeFigureOut">
               <a:rPr lang="en-GB" smtClean="0"/>
-              <a:t>11/2/19</a:t>
+              <a:t>09/11/2019</a:t>
             </a:fld>
             <a:endParaRPr lang="en-GB"/>
           </a:p>
@@ -838,7 +843,7 @@
           <a:p>
             <a:fld id="{538185A6-F7C7-2D4F-BA59-879D5B10606E}" type="datetimeFigureOut">
               <a:rPr lang="en-US" smtClean="0"/>
-              <a:t>11/2/19</a:t>
+              <a:t>11/9/2019</a:t>
             </a:fld>
             <a:endParaRPr lang="en-US"/>
           </a:p>
@@ -1008,7 +1013,7 @@
           <a:p>
             <a:fld id="{538185A6-F7C7-2D4F-BA59-879D5B10606E}" type="datetimeFigureOut">
               <a:rPr lang="en-US" smtClean="0"/>
-              <a:t>11/2/19</a:t>
+              <a:t>11/9/2019</a:t>
             </a:fld>
             <a:endParaRPr lang="en-US"/>
           </a:p>
@@ -1188,7 +1193,7 @@
           <a:p>
             <a:fld id="{538185A6-F7C7-2D4F-BA59-879D5B10606E}" type="datetimeFigureOut">
               <a:rPr lang="en-US" smtClean="0"/>
-              <a:t>11/2/19</a:t>
+              <a:t>11/9/2019</a:t>
             </a:fld>
             <a:endParaRPr lang="en-US"/>
           </a:p>
@@ -1358,7 +1363,7 @@
           <a:p>
             <a:fld id="{538185A6-F7C7-2D4F-BA59-879D5B10606E}" type="datetimeFigureOut">
               <a:rPr lang="en-US" smtClean="0"/>
-              <a:t>11/2/19</a:t>
+              <a:t>11/9/2019</a:t>
             </a:fld>
             <a:endParaRPr lang="en-US"/>
           </a:p>
@@ -1604,7 +1609,7 @@
           <a:p>
             <a:fld id="{538185A6-F7C7-2D4F-BA59-879D5B10606E}" type="datetimeFigureOut">
               <a:rPr lang="en-US" smtClean="0"/>
-              <a:t>11/2/19</a:t>
+              <a:t>11/9/2019</a:t>
             </a:fld>
             <a:endParaRPr lang="en-US"/>
           </a:p>
@@ -1892,7 +1897,7 @@
           <a:p>
             <a:fld id="{538185A6-F7C7-2D4F-BA59-879D5B10606E}" type="datetimeFigureOut">
               <a:rPr lang="en-US" smtClean="0"/>
-              <a:t>11/2/19</a:t>
+              <a:t>11/9/2019</a:t>
             </a:fld>
             <a:endParaRPr lang="en-US"/>
           </a:p>
@@ -2314,7 +2319,7 @@
           <a:p>
             <a:fld id="{538185A6-F7C7-2D4F-BA59-879D5B10606E}" type="datetimeFigureOut">
               <a:rPr lang="en-US" smtClean="0"/>
-              <a:t>11/2/19</a:t>
+              <a:t>11/9/2019</a:t>
             </a:fld>
             <a:endParaRPr lang="en-US"/>
           </a:p>
@@ -2432,7 +2437,7 @@
           <a:p>
             <a:fld id="{538185A6-F7C7-2D4F-BA59-879D5B10606E}" type="datetimeFigureOut">
               <a:rPr lang="en-US" smtClean="0"/>
-              <a:t>11/2/19</a:t>
+              <a:t>11/9/2019</a:t>
             </a:fld>
             <a:endParaRPr lang="en-US"/>
           </a:p>
@@ -2527,7 +2532,7 @@
           <a:p>
             <a:fld id="{538185A6-F7C7-2D4F-BA59-879D5B10606E}" type="datetimeFigureOut">
               <a:rPr lang="en-US" smtClean="0"/>
-              <a:t>11/2/19</a:t>
+              <a:t>11/9/2019</a:t>
             </a:fld>
             <a:endParaRPr lang="en-US"/>
           </a:p>
@@ -2804,7 +2809,7 @@
           <a:p>
             <a:fld id="{538185A6-F7C7-2D4F-BA59-879D5B10606E}" type="datetimeFigureOut">
               <a:rPr lang="en-US" smtClean="0"/>
-              <a:t>11/2/19</a:t>
+              <a:t>11/9/2019</a:t>
             </a:fld>
             <a:endParaRPr lang="en-US"/>
           </a:p>
@@ -3057,7 +3062,7 @@
           <a:p>
             <a:fld id="{538185A6-F7C7-2D4F-BA59-879D5B10606E}" type="datetimeFigureOut">
               <a:rPr lang="en-US" smtClean="0"/>
-              <a:t>11/2/19</a:t>
+              <a:t>11/9/2019</a:t>
             </a:fld>
             <a:endParaRPr lang="en-US"/>
           </a:p>
@@ -3270,7 +3275,7 @@
           <a:p>
             <a:fld id="{538185A6-F7C7-2D4F-BA59-879D5B10606E}" type="datetimeFigureOut">
               <a:rPr lang="en-US" smtClean="0"/>
-              <a:t>11/2/19</a:t>
+              <a:t>11/9/2019</a:t>
             </a:fld>
             <a:endParaRPr lang="en-US"/>
           </a:p>
@@ -3706,21 +3711,8 @@
             </a:pPr>
             <a:r>
               <a:rPr lang="en-US" sz="2400" dirty="0" smtClean="0"/>
-              <a:t>The entire </a:t>
-            </a:r>
-            <a:r>
-              <a:rPr lang="en-US" sz="2400" dirty="0" smtClean="0"/>
-              <a:t>session </a:t>
-            </a:r>
-            <a:r>
-              <a:rPr lang="en-US" sz="2400" dirty="0" smtClean="0"/>
-              <a:t>should take about </a:t>
-            </a:r>
-            <a:r>
-              <a:rPr lang="en-US" sz="2400" dirty="0" smtClean="0"/>
-              <a:t>60 minutes.</a:t>
-            </a:r>
-            <a:endParaRPr lang="en-US" sz="2400" dirty="0" smtClean="0"/>
+              <a:t>The entire session should take about 60 minutes.</a:t>
+            </a:r>
           </a:p>
           <a:p>
             <a:pPr marL="0" indent="0">
@@ -3743,7 +3735,7 @@
   <p:timing>
     <p:tnLst>
       <p:par>
-        <p:cTn xmlns:p14="http://schemas.microsoft.com/office/powerpoint/2010/main" id="1" dur="indefinite" restart="never" nodeType="tmRoot"/>
+        <p:cTn id="1" dur="indefinite" restart="never" nodeType="tmRoot"/>
       </p:par>
     </p:tnLst>
   </p:timing>
@@ -3785,7 +3777,7 @@
         </p:spPr>
         <p:txBody>
           <a:bodyPr>
-            <a:normAutofit/>
+            <a:normAutofit lnSpcReduction="10000"/>
           </a:bodyPr>
           <a:lstStyle/>
           <a:p>
@@ -3802,19 +3794,31 @@
             </a:pPr>
             <a:r>
               <a:rPr lang="en-GB" sz="2400" b="1" dirty="0" smtClean="0"/>
-              <a:t>In the MEG task, answering these </a:t>
+              <a:t>In the MEG task, answering these attention check questions correctly is extremely important. </a:t>
             </a:r>
             <a:r>
               <a:rPr lang="en-GB" sz="2400" b="1" dirty="0" smtClean="0"/>
-              <a:t>attention check questions correctly is extremely important. For each attention check question you answer wrong, you will lose </a:t>
+              <a:t>At the end of the task, the computer will select one round at random. For </a:t>
             </a:r>
             <a:r>
               <a:rPr lang="en-GB" sz="2400" b="1" dirty="0" smtClean="0"/>
-              <a:t>25 pence </a:t>
+              <a:t>each attention check question you answer </a:t>
             </a:r>
             <a:r>
               <a:rPr lang="en-GB" sz="2400" b="1" dirty="0" smtClean="0"/>
-              <a:t>from your bonus.</a:t>
+              <a:t>wrong on this round, </a:t>
+            </a:r>
+            <a:r>
+              <a:rPr lang="en-GB" sz="2400" b="1" dirty="0" smtClean="0"/>
+              <a:t>you will lose </a:t>
+            </a:r>
+            <a:r>
+              <a:rPr lang="en-GB" sz="2400" b="1" dirty="0" smtClean="0"/>
+              <a:t>50 </a:t>
+            </a:r>
+            <a:r>
+              <a:rPr lang="en-GB" sz="2400" b="1" dirty="0" smtClean="0"/>
+              <a:t>pence from your bonus.</a:t>
             </a:r>
           </a:p>
           <a:p>
@@ -4062,107 +4066,94 @@
         <p:spPr/>
         <p:txBody>
           <a:bodyPr>
-            <a:normAutofit fontScale="77500" lnSpcReduction="20000"/>
+            <a:normAutofit fontScale="70000" lnSpcReduction="20000"/>
           </a:bodyPr>
           <a:lstStyle/>
           <a:p>
             <a:r>
               <a:rPr lang="en-GB" sz="2400" dirty="0" smtClean="0"/>
-              <a:t>Great work. You’ve completed the </a:t>
+              <a:t>Great work. You’ve completed the training session.</a:t>
+            </a:r>
+          </a:p>
+          <a:p>
+            <a:r>
+              <a:rPr lang="en-GB" sz="2400" dirty="0"/>
+              <a:t>T</a:t>
             </a:r>
             <a:r>
               <a:rPr lang="en-GB" sz="2400" dirty="0" smtClean="0"/>
-              <a:t>training session</a:t>
+              <a:t>he MEG task</a:t>
+            </a:r>
+            <a:r>
+              <a:rPr lang="en-GB" sz="2400" dirty="0"/>
+              <a:t> </a:t>
+            </a:r>
+            <a:r>
+              <a:rPr lang="en-GB" sz="2400" dirty="0" smtClean="0"/>
+              <a:t>will include the components that you just completed, however will use different banknotes and slot-machines.</a:t>
+            </a:r>
+          </a:p>
+          <a:p>
+            <a:r>
+              <a:rPr lang="en-GB" sz="2400" dirty="0" smtClean="0"/>
+              <a:t>It will also include a first part, where you will just be required to complete a task where you attend to each of the task images, one at a time, that will last about 30 minutes. This will allow us to record how your brain responds to each of the task images.</a:t>
+            </a:r>
+          </a:p>
+          <a:p>
+            <a:r>
+              <a:rPr lang="en-GB" sz="2400" dirty="0" smtClean="0"/>
+              <a:t>Following this, you will learn about and be quizzed on the chances that each slot machine produces either banknote. This will be the same as it was in what you just completed.</a:t>
+            </a:r>
+          </a:p>
+          <a:p>
+            <a:r>
+              <a:rPr lang="en-GB" sz="2400" dirty="0" smtClean="0"/>
+              <a:t>Then you will complete the gamble task. However, it will consist of 8 rounds instead of 2. </a:t>
+            </a:r>
+          </a:p>
+          <a:p>
+            <a:r>
+              <a:rPr lang="en-GB" sz="2400" dirty="0" smtClean="0"/>
+              <a:t>Your bonus for the MEG task will be between 0 and £20. The computer will select one decision from each of the 8 rounds. The average of these 8 choices will constitute your bonus. </a:t>
+            </a:r>
+            <a:endParaRPr lang="en-GB" sz="2400" dirty="0" smtClean="0"/>
+          </a:p>
+          <a:p>
+            <a:r>
+              <a:rPr lang="en-GB" sz="2400" dirty="0" smtClean="0"/>
+              <a:t>In </a:t>
+            </a:r>
+            <a:r>
+              <a:rPr lang="en-GB" sz="2400" dirty="0" smtClean="0"/>
+              <a:t>the MEG task, </a:t>
+            </a:r>
+            <a:r>
+              <a:rPr lang="en-GB" sz="2400" dirty="0" smtClean="0"/>
+              <a:t>the computer will also select a round at random and each </a:t>
+            </a:r>
+            <a:r>
+              <a:rPr lang="en-GB" sz="2400" dirty="0" smtClean="0"/>
+              <a:t>attention check question that you </a:t>
+            </a:r>
+            <a:r>
+              <a:rPr lang="en-GB" sz="2400" dirty="0" smtClean="0"/>
+              <a:t>answered incorrectly in that round </a:t>
+            </a:r>
+            <a:r>
+              <a:rPr lang="en-GB" sz="2400" dirty="0" smtClean="0"/>
+              <a:t>will reduce your bonus by </a:t>
+            </a:r>
+            <a:r>
+              <a:rPr lang="en-GB" sz="2400" dirty="0" smtClean="0"/>
+              <a:t>50</a:t>
+            </a:r>
+            <a:r>
+              <a:rPr lang="en-GB" sz="2400" dirty="0" smtClean="0"/>
+              <a:t>p</a:t>
             </a:r>
             <a:r>
               <a:rPr lang="en-GB" sz="2400" dirty="0" smtClean="0"/>
               <a:t>.</a:t>
-            </a:r>
-          </a:p>
-          <a:p>
-            <a:r>
-              <a:rPr lang="en-GB" sz="2400" dirty="0"/>
-              <a:t>T</a:t>
-            </a:r>
-            <a:r>
-              <a:rPr lang="en-GB" sz="2400" dirty="0" smtClean="0"/>
-              <a:t>he </a:t>
-            </a:r>
-            <a:r>
-              <a:rPr lang="en-GB" sz="2400" dirty="0" smtClean="0"/>
-              <a:t>MEG </a:t>
-            </a:r>
-            <a:r>
-              <a:rPr lang="en-GB" sz="2400" dirty="0" smtClean="0"/>
-              <a:t>task</a:t>
-            </a:r>
-            <a:r>
-              <a:rPr lang="en-GB" sz="2400" dirty="0"/>
-              <a:t> </a:t>
-            </a:r>
-            <a:r>
-              <a:rPr lang="en-GB" sz="2400" dirty="0" smtClean="0"/>
-              <a:t>will </a:t>
-            </a:r>
-            <a:r>
-              <a:rPr lang="en-GB" sz="2400" dirty="0" smtClean="0"/>
-              <a:t>include the components that you just completed, however will use different banknotes and slot-machines.</a:t>
-            </a:r>
-          </a:p>
-          <a:p>
-            <a:r>
-              <a:rPr lang="en-GB" sz="2400" dirty="0" smtClean="0"/>
-              <a:t>It will also include a first part, where you will just be required to complete a task where you attend to each of the task images, one at a time, that will last about 30 minutes. This will allow us to record how your brain responds to each of the task images.</a:t>
-            </a:r>
-          </a:p>
-          <a:p>
-            <a:r>
-              <a:rPr lang="en-GB" sz="2400" dirty="0" smtClean="0"/>
-              <a:t>Following this, you will </a:t>
-            </a:r>
-            <a:r>
-              <a:rPr lang="en-GB" sz="2400" dirty="0" smtClean="0"/>
-              <a:t>learn about </a:t>
-            </a:r>
-            <a:r>
-              <a:rPr lang="en-GB" sz="2400" dirty="0" smtClean="0"/>
-              <a:t>and be quizzed on the chances that each slot machine produces either banknote. This will be the same as it was in what you just completed.</a:t>
-            </a:r>
-          </a:p>
-          <a:p>
-            <a:r>
-              <a:rPr lang="en-GB" sz="2400" dirty="0" smtClean="0"/>
-              <a:t>Then you will complete the gamble task. However, it will consist of 8 rounds instead of 2. </a:t>
-            </a:r>
-          </a:p>
-          <a:p>
-            <a:r>
-              <a:rPr lang="en-GB" sz="2400" dirty="0" smtClean="0"/>
-              <a:t>Your bonus for the MEG task will be </a:t>
-            </a:r>
-            <a:r>
-              <a:rPr lang="en-GB" sz="2400" dirty="0" smtClean="0"/>
-              <a:t>between 0 and £</a:t>
-            </a:r>
-            <a:r>
-              <a:rPr lang="en-GB" sz="2400" dirty="0" smtClean="0"/>
-              <a:t>20</a:t>
-            </a:r>
-            <a:r>
-              <a:rPr lang="en-GB" sz="2400" dirty="0" smtClean="0"/>
-              <a:t>. The </a:t>
-            </a:r>
-            <a:r>
-              <a:rPr lang="en-GB" sz="2400" dirty="0" smtClean="0"/>
-              <a:t>computer will select one decision from each of the 8 rounds. The average of these 8 choices will constitute your bonus. In the MEG task, each attention check question that you answer incorrectly will reduce your bonus by </a:t>
-            </a:r>
-            <a:r>
-              <a:rPr lang="en-GB" sz="2400" dirty="0" smtClean="0"/>
-              <a:t>25</a:t>
-            </a:r>
-            <a:r>
-              <a:rPr lang="en-GB" sz="2400" dirty="0" smtClean="0"/>
-              <a:t>p.</a:t>
             </a:r>
           </a:p>
           <a:p>
@@ -4178,7 +4169,11 @@
             </a:r>
             <a:r>
               <a:rPr lang="en-GB" sz="2400" dirty="0" smtClean="0"/>
-              <a:t>) if you have any questions.</a:t>
+              <a:t>) </a:t>
+            </a:r>
+            <a:r>
+              <a:rPr lang="en-GB" sz="2400" dirty="0" smtClean="0"/>
+              <a:t>to let him know you have finished the task and also with any questions you might have.</a:t>
             </a:r>
             <a:endParaRPr lang="en-GB" sz="2400" dirty="0" smtClean="0"/>
           </a:p>
@@ -5146,7 +5141,7 @@
   <p:timing>
     <p:tnLst>
       <p:par>
-        <p:cTn xmlns:p14="http://schemas.microsoft.com/office/powerpoint/2010/main" id="1" dur="indefinite" restart="never" nodeType="tmRoot"/>
+        <p:cTn id="1" dur="indefinite" restart="never" nodeType="tmRoot"/>
       </p:par>
     </p:tnLst>
   </p:timing>
@@ -5392,15 +5387,7 @@
           <a:p>
             <a:r>
               <a:rPr lang="en-US" sz="1800" dirty="0" smtClean="0"/>
-              <a:t>We will complete </a:t>
-            </a:r>
-            <a:r>
-              <a:rPr lang="en-US" sz="1800" dirty="0" smtClean="0"/>
-              <a:t>4rounds </a:t>
-            </a:r>
-            <a:r>
-              <a:rPr lang="en-US" sz="1800" dirty="0" smtClean="0"/>
-              <a:t>of this. Your bonus as well as your ability to participate in the MEG task will depend on the total number of quiz questions you answer correctly as well as your answers to attention check questions. Please try to get as many questions correct as you can. </a:t>
+              <a:t>We will complete 4rounds of this. Your bonus as well as your ability to participate in the MEG task will depend on the total number of quiz questions you answer correctly as well as your answers to attention check questions. Please try to get as many questions correct as you can. </a:t>
             </a:r>
           </a:p>
         </p:txBody>
@@ -5418,7 +5405,7 @@
   <p:timing>
     <p:tnLst>
       <p:par>
-        <p:cTn xmlns:p14="http://schemas.microsoft.com/office/powerpoint/2010/main" id="1" dur="indefinite" restart="never" nodeType="tmRoot"/>
+        <p:cTn id="1" dur="indefinite" restart="never" nodeType="tmRoot"/>
       </p:par>
     </p:tnLst>
   </p:timing>
@@ -7978,7 +7965,7 @@
   <p:timing>
     <p:tnLst>
       <p:par>
-        <p:cTn xmlns:p14="http://schemas.microsoft.com/office/powerpoint/2010/main" id="1" dur="indefinite" restart="never" nodeType="tmRoot"/>
+        <p:cTn id="1" dur="indefinite" restart="never" nodeType="tmRoot"/>
       </p:par>
     </p:tnLst>
   </p:timing>
@@ -10012,7 +9999,7 @@
   <a:extraClrSchemeLst/>
   <a:extLst>
     <a:ext uri="{05A4C25C-085E-4340-85A3-A5531E510DB2}">
-      <thm15:themeFamily xmlns:thm15="http://schemas.microsoft.com/office/thememl/2012/main" xmlns="" name="Office Theme" id="{62F939B6-93AF-4DB8-9C6B-D6C7DFDC589F}" vid="{4A3C46E8-61CC-4603-A589-7422A47A8E4A}"/>
+      <thm15:themeFamily xmlns:thm15="http://schemas.microsoft.com/office/thememl/2012/main" name="Office Theme" id="{62F939B6-93AF-4DB8-9C6B-D6C7DFDC589F}" vid="{4A3C46E8-61CC-4603-A589-7422A47A8E4A}"/>
     </a:ext>
   </a:extLst>
 </a:theme>
